--- a/8. 资源组长工作框架/1. 例行工作/资源组例会/IEC资源例会-2021.06.15.pptx
+++ b/8. 资源组长工作框架/1. 例行工作/资源组例会/IEC资源例会-2021.06.15.pptx
@@ -259,7 +259,7 @@
           <a:p>
             <a:fld id="{C20A7E8A-22F5-4944-8757-F3117FA9D6B4}" type="datetimeFigureOut">
               <a:rPr lang="zh-CN" altLang="en-US" smtClean="0"/>
-              <a:t>2021/6/15</a:t>
+              <a:t>2021/6/16</a:t>
             </a:fld>
             <a:endParaRPr lang="zh-CN" altLang="en-US"/>
           </a:p>
@@ -436,7 +436,7 @@
           <a:p>
             <a:fld id="{B5C9FC19-D103-4096-A48A-282D8BA23B1F}" type="datetimeFigureOut">
               <a:rPr lang="zh-CN" altLang="en-US" smtClean="0"/>
-              <a:t>2021/6/15</a:t>
+              <a:t>2021/6/16</a:t>
             </a:fld>
             <a:endParaRPr lang="zh-CN" altLang="en-US"/>
           </a:p>
@@ -5306,23 +5306,7 @@
                 <a:latin typeface="思源黑体 CN Medium" panose="020B0600000000000000" pitchFamily="34" charset="-122"/>
                 <a:ea typeface="思源黑体 CN Medium" panose="020B0600000000000000" pitchFamily="34" charset="-122"/>
               </a:rPr>
-              <a:t>资源</a:t>
-            </a:r>
-            <a:r>
-              <a:rPr kumimoji="0" lang="zh-CN" altLang="en-US" sz="4000" b="0" i="0" u="none" strike="noStrike" kern="0" cap="none" spc="0" normalizeH="0" baseline="0" noProof="0" dirty="0" smtClean="0">
-                <a:ln>
-                  <a:noFill/>
-                </a:ln>
-                <a:solidFill>
-                  <a:srgbClr val="115FA8"/>
-                </a:solidFill>
-                <a:effectLst/>
-                <a:uLnTx/>
-                <a:uFillTx/>
-                <a:latin typeface="思源黑体 CN Medium" panose="020B0600000000000000" pitchFamily="34" charset="-122"/>
-                <a:ea typeface="思源黑体 CN Medium" panose="020B0600000000000000" pitchFamily="34" charset="-122"/>
-              </a:rPr>
-              <a:t>例会</a:t>
+              <a:t>资源例会</a:t>
             </a:r>
             <a:endParaRPr kumimoji="0" lang="en-US" sz="4000" b="0" i="0" u="none" strike="noStrike" kern="0" cap="none" spc="0" normalizeH="0" baseline="0" noProof="0" dirty="0">
               <a:ln>
@@ -5587,7 +5571,7 @@
                 <a:latin typeface="微软雅黑" panose="020B0503020204020204" pitchFamily="34" charset="-122"/>
                 <a:ea typeface="微软雅黑" panose="020B0503020204020204" pitchFamily="34" charset="-122"/>
               </a:rPr>
-              <a:t>15 </a:t>
+              <a:t>16 </a:t>
             </a:r>
             <a:r>
               <a:rPr lang="zh-CN" altLang="en-US" sz="2000" dirty="0" smtClean="0">
@@ -5758,7 +5742,7 @@
               <a:defRPr/>
             </a:pPr>
             <a:r>
-              <a:rPr lang="en-US" altLang="zh-CN" sz="3200" b="1" kern="0" dirty="0" smtClean="0">
+              <a:rPr lang="en-US" altLang="zh-CN" sz="3200" b="1" kern="0" dirty="0">
                 <a:solidFill>
                   <a:srgbClr val="005A97"/>
                 </a:solidFill>
@@ -5766,10 +5750,10 @@
                 <a:ea typeface="微软雅黑" panose="020B0503020204020204" pitchFamily="34" charset="-122"/>
                 <a:cs typeface="经典综艺体简" panose="02010609000101010101" pitchFamily="49" charset="-122"/>
               </a:rPr>
-              <a:t>2. </a:t>
+              <a:t>2</a:t>
             </a:r>
             <a:r>
-              <a:rPr lang="zh-CN" altLang="en-US" sz="3200" b="1" kern="0" dirty="0" smtClean="0">
+              <a:rPr lang="en-US" altLang="zh-CN" sz="3200" b="1" kern="0" dirty="0" smtClean="0">
                 <a:solidFill>
                   <a:srgbClr val="005A97"/>
                 </a:solidFill>
@@ -5777,10 +5761,10 @@
                 <a:ea typeface="微软雅黑" panose="020B0503020204020204" pitchFamily="34" charset="-122"/>
                 <a:cs typeface="经典综艺体简" panose="02010609000101010101" pitchFamily="49" charset="-122"/>
               </a:rPr>
-              <a:t>部门事项宣</a:t>
+              <a:t>. </a:t>
             </a:r>
             <a:r>
-              <a:rPr lang="zh-CN" altLang="en-US" sz="3200" b="1" kern="0" dirty="0">
+              <a:rPr lang="zh-CN" altLang="en-US" sz="3200" b="1" kern="0" dirty="0" smtClean="0">
                 <a:solidFill>
                   <a:srgbClr val="005A97"/>
                 </a:solidFill>
@@ -5788,7 +5772,40 @@
                 <a:ea typeface="微软雅黑" panose="020B0503020204020204" pitchFamily="34" charset="-122"/>
                 <a:cs typeface="经典综艺体简" panose="02010609000101010101" pitchFamily="49" charset="-122"/>
               </a:rPr>
-              <a:t>贯</a:t>
+              <a:t>技术</a:t>
+            </a:r>
+            <a:r>
+              <a:rPr lang="zh-CN" altLang="en-US" sz="3200" b="1" kern="0" dirty="0">
+                <a:solidFill>
+                  <a:srgbClr val="005A97"/>
+                </a:solidFill>
+                <a:latin typeface="微软雅黑" panose="020B0503020204020204" pitchFamily="34" charset="-122"/>
+                <a:ea typeface="微软雅黑" panose="020B0503020204020204" pitchFamily="34" charset="-122"/>
+                <a:cs typeface="经典综艺体简" panose="02010609000101010101" pitchFamily="49" charset="-122"/>
+              </a:rPr>
+              <a:t>分享</a:t>
+            </a:r>
+            <a:r>
+              <a:rPr lang="en-US" altLang="zh-CN" sz="3200" b="1" kern="0" dirty="0">
+                <a:solidFill>
+                  <a:srgbClr val="005A97"/>
+                </a:solidFill>
+                <a:latin typeface="微软雅黑" panose="020B0503020204020204" pitchFamily="34" charset="-122"/>
+                <a:ea typeface="微软雅黑" panose="020B0503020204020204" pitchFamily="34" charset="-122"/>
+                <a:cs typeface="经典综艺体简" panose="02010609000101010101" pitchFamily="49" charset="-122"/>
+              </a:rPr>
+              <a:t>&amp;</a:t>
+            </a:r>
+            <a:r>
+              <a:rPr lang="zh-CN" altLang="en-US" sz="3200" b="1" kern="0" dirty="0">
+                <a:solidFill>
+                  <a:srgbClr val="005A97"/>
+                </a:solidFill>
+                <a:latin typeface="微软雅黑" panose="020B0503020204020204" pitchFamily="34" charset="-122"/>
+                <a:ea typeface="微软雅黑" panose="020B0503020204020204" pitchFamily="34" charset="-122"/>
+                <a:cs typeface="经典综艺体简" panose="02010609000101010101" pitchFamily="49" charset="-122"/>
+              </a:rPr>
+              <a:t>业务分享</a:t>
             </a:r>
           </a:p>
         </p:txBody>
